--- a/QC Coders - Intro to Open Source.pptx
+++ b/QC Coders - Intro to Open Source.pptx
@@ -7,10 +7,11 @@
   <p:sldIdLst>
     <p:sldId id="256" r:id="rId2"/>
     <p:sldId id="258" r:id="rId3"/>
-    <p:sldId id="259" r:id="rId4"/>
-    <p:sldId id="260" r:id="rId5"/>
+    <p:sldId id="260" r:id="rId4"/>
+    <p:sldId id="259" r:id="rId5"/>
     <p:sldId id="262" r:id="rId6"/>
     <p:sldId id="261" r:id="rId7"/>
+    <p:sldId id="263" r:id="rId8"/>
   </p:sldIdLst>
   <p:sldSz cx="12192000" cy="6858000"/>
   <p:notesSz cx="6858000" cy="9144000"/>
@@ -109,6 +110,11 @@
       </a:defRPr>
     </a:lvl9pPr>
   </p:defaultTextStyle>
+  <p:extLst>
+    <p:ext uri="{EFAFB233-063F-42B5-8137-9DF3F51BA10A}">
+      <p15:sldGuideLst xmlns:p15="http://schemas.microsoft.com/office/powerpoint/2012/main"/>
+    </p:ext>
+  </p:extLst>
 </p:presentation>
 </file>
 
@@ -338,7 +344,7 @@
           <a:p>
             <a:fld id="{709A5CD8-DDA3-470B-ABD7-F23C1DFAC626}" type="datetimeFigureOut">
               <a:rPr lang="en-US" smtClean="0"/>
-              <a:t>10/1/2018</a:t>
+              <a:t>10/4/2018</a:t>
             </a:fld>
             <a:endParaRPr lang="en-US"/>
           </a:p>
@@ -546,7 +552,7 @@
           <a:p>
             <a:fld id="{709A5CD8-DDA3-470B-ABD7-F23C1DFAC626}" type="datetimeFigureOut">
               <a:rPr lang="en-US" smtClean="0"/>
-              <a:t>10/1/2018</a:t>
+              <a:t>10/4/2018</a:t>
             </a:fld>
             <a:endParaRPr lang="en-US"/>
           </a:p>
@@ -802,7 +808,7 @@
           <a:p>
             <a:fld id="{709A5CD8-DDA3-470B-ABD7-F23C1DFAC626}" type="datetimeFigureOut">
               <a:rPr lang="en-US" smtClean="0"/>
-              <a:t>10/1/2018</a:t>
+              <a:t>10/4/2018</a:t>
             </a:fld>
             <a:endParaRPr lang="en-US"/>
           </a:p>
@@ -976,7 +982,7 @@
           <a:p>
             <a:fld id="{709A5CD8-DDA3-470B-ABD7-F23C1DFAC626}" type="datetimeFigureOut">
               <a:rPr lang="en-US" smtClean="0"/>
-              <a:t>10/1/2018</a:t>
+              <a:t>10/4/2018</a:t>
             </a:fld>
             <a:endParaRPr lang="en-US"/>
           </a:p>
@@ -1319,7 +1325,7 @@
           <a:p>
             <a:fld id="{709A5CD8-DDA3-470B-ABD7-F23C1DFAC626}" type="datetimeFigureOut">
               <a:rPr lang="en-US" smtClean="0"/>
-              <a:t>10/1/2018</a:t>
+              <a:t>10/4/2018</a:t>
             </a:fld>
             <a:endParaRPr lang="en-US"/>
           </a:p>
@@ -1594,7 +1600,7 @@
           <a:p>
             <a:fld id="{709A5CD8-DDA3-470B-ABD7-F23C1DFAC626}" type="datetimeFigureOut">
               <a:rPr lang="en-US" smtClean="0"/>
-              <a:t>10/1/2018</a:t>
+              <a:t>10/4/2018</a:t>
             </a:fld>
             <a:endParaRPr lang="en-US"/>
           </a:p>
@@ -1973,7 +1979,7 @@
           <a:p>
             <a:fld id="{709A5CD8-DDA3-470B-ABD7-F23C1DFAC626}" type="datetimeFigureOut">
               <a:rPr lang="en-US" smtClean="0"/>
-              <a:t>10/1/2018</a:t>
+              <a:t>10/4/2018</a:t>
             </a:fld>
             <a:endParaRPr lang="en-US"/>
           </a:p>
@@ -2091,7 +2097,7 @@
           <a:p>
             <a:fld id="{709A5CD8-DDA3-470B-ABD7-F23C1DFAC626}" type="datetimeFigureOut">
               <a:rPr lang="en-US" smtClean="0"/>
-              <a:t>10/1/2018</a:t>
+              <a:t>10/4/2018</a:t>
             </a:fld>
             <a:endParaRPr lang="en-US"/>
           </a:p>
@@ -2262,7 +2268,7 @@
           <a:p>
             <a:fld id="{709A5CD8-DDA3-470B-ABD7-F23C1DFAC626}" type="datetimeFigureOut">
               <a:rPr lang="en-US" smtClean="0"/>
-              <a:t>10/1/2018</a:t>
+              <a:t>10/4/2018</a:t>
             </a:fld>
             <a:endParaRPr lang="en-US"/>
           </a:p>
@@ -2616,7 +2622,7 @@
           <a:p>
             <a:fld id="{709A5CD8-DDA3-470B-ABD7-F23C1DFAC626}" type="datetimeFigureOut">
               <a:rPr lang="en-US" smtClean="0"/>
-              <a:t>10/1/2018</a:t>
+              <a:t>10/4/2018</a:t>
             </a:fld>
             <a:endParaRPr lang="en-US"/>
           </a:p>
@@ -2998,7 +3004,7 @@
           <a:p>
             <a:fld id="{709A5CD8-DDA3-470B-ABD7-F23C1DFAC626}" type="datetimeFigureOut">
               <a:rPr lang="en-US" smtClean="0"/>
-              <a:t>10/1/2018</a:t>
+              <a:t>10/4/2018</a:t>
             </a:fld>
             <a:endParaRPr lang="en-US"/>
           </a:p>
@@ -3285,7 +3291,7 @@
           <a:p>
             <a:fld id="{709A5CD8-DDA3-470B-ABD7-F23C1DFAC626}" type="datetimeFigureOut">
               <a:rPr lang="en-US" smtClean="0"/>
-              <a:t>10/1/2018</a:t>
+              <a:t>10/4/2018</a:t>
             </a:fld>
             <a:endParaRPr lang="en-US"/>
           </a:p>
@@ -3865,6 +3871,13 @@
   <p:clrMapOvr>
     <a:masterClrMapping/>
   </p:clrMapOvr>
+  <p:timing>
+    <p:tnLst>
+      <p:par>
+        <p:cTn id="1" dur="indefinite" restart="never" nodeType="tmRoot"/>
+      </p:par>
+    </p:tnLst>
+  </p:timing>
 </p:sld>
 </file>
 
@@ -3944,10 +3957,196 @@
   <p:clrMapOvr>
     <a:masterClrMapping/>
   </p:clrMapOvr>
+  <p:timing>
+    <p:tnLst>
+      <p:par>
+        <p:cTn id="1" dur="indefinite" restart="never" nodeType="tmRoot"/>
+      </p:par>
+    </p:tnLst>
+  </p:timing>
 </p:sld>
 </file>
 
 <file path=ppt/slides/slide3.xml><?xml version="1.0" encoding="utf-8"?>
+<p:sld xmlns:a="http://schemas.openxmlformats.org/drawingml/2006/main" xmlns:r="http://schemas.openxmlformats.org/officeDocument/2006/relationships" xmlns:p="http://schemas.openxmlformats.org/presentationml/2006/main">
+  <p:cSld>
+    <p:spTree>
+      <p:nvGrpSpPr>
+        <p:cNvPr id="1" name=""/>
+        <p:cNvGrpSpPr/>
+        <p:nvPr/>
+      </p:nvGrpSpPr>
+      <p:grpSpPr>
+        <a:xfrm>
+          <a:off x="0" y="0"/>
+          <a:ext cx="0" cy="0"/>
+          <a:chOff x="0" y="0"/>
+          <a:chExt cx="0" cy="0"/>
+        </a:xfrm>
+      </p:grpSpPr>
+      <p:sp>
+        <p:nvSpPr>
+          <p:cNvPr id="2" name="Title 1"/>
+          <p:cNvSpPr>
+            <a:spLocks noGrp="1"/>
+          </p:cNvSpPr>
+          <p:nvPr>
+            <p:ph type="title"/>
+          </p:nvPr>
+        </p:nvSpPr>
+        <p:spPr/>
+        <p:txBody>
+          <a:bodyPr/>
+          <a:lstStyle/>
+          <a:p>
+            <a:r>
+              <a:rPr lang="en-US" dirty="0" smtClean="0"/>
+              <a:t>What is Free Software?</a:t>
+            </a:r>
+            <a:endParaRPr lang="en-US" dirty="0"/>
+          </a:p>
+        </p:txBody>
+      </p:sp>
+      <p:sp>
+        <p:nvSpPr>
+          <p:cNvPr id="3" name="Content Placeholder 2"/>
+          <p:cNvSpPr>
+            <a:spLocks noGrp="1"/>
+          </p:cNvSpPr>
+          <p:nvPr>
+            <p:ph idx="1"/>
+          </p:nvPr>
+        </p:nvSpPr>
+        <p:spPr/>
+        <p:txBody>
+          <a:bodyPr>
+            <a:normAutofit/>
+          </a:bodyPr>
+          <a:lstStyle/>
+          <a:p>
+            <a:pPr>
+              <a:buFont typeface="Wingdings" panose="05000000000000000000" pitchFamily="2" charset="2"/>
+              <a:buChar char="§"/>
+            </a:pPr>
+            <a:r>
+              <a:rPr lang="en-US" sz="2800" dirty="0" smtClean="0"/>
+              <a:t> </a:t>
+            </a:r>
+            <a:r>
+              <a:rPr lang="en-US" sz="2800" dirty="0"/>
+              <a:t>C</a:t>
+            </a:r>
+            <a:r>
+              <a:rPr lang="en-US" sz="2800" dirty="0" smtClean="0"/>
+              <a:t>omputer </a:t>
+            </a:r>
+            <a:r>
+              <a:rPr lang="en-US" sz="2800" dirty="0"/>
+              <a:t>software distributed under terms that allow users to run the software for any purpose as well as to study, change, and distribute it and any adapted </a:t>
+            </a:r>
+            <a:r>
+              <a:rPr lang="en-US" sz="2800" dirty="0" smtClean="0"/>
+              <a:t>versions</a:t>
+            </a:r>
+          </a:p>
+          <a:p>
+            <a:pPr>
+              <a:buFont typeface="Wingdings" panose="05000000000000000000" pitchFamily="2" charset="2"/>
+              <a:buChar char="§"/>
+            </a:pPr>
+            <a:r>
+              <a:rPr lang="en-US" sz="2800" dirty="0" smtClean="0"/>
+              <a:t> Four Freedoms:</a:t>
+            </a:r>
+          </a:p>
+          <a:p>
+            <a:pPr lvl="1"/>
+            <a:r>
+              <a:rPr lang="en-US" sz="2000" dirty="0"/>
+              <a:t>Freedom 0: The freedom to </a:t>
+            </a:r>
+            <a:r>
+              <a:rPr lang="en-US" sz="2000" i="1" dirty="0"/>
+              <a:t>run</a:t>
+            </a:r>
+            <a:r>
+              <a:rPr lang="en-US" sz="2000" dirty="0"/>
+              <a:t> the program for any purpose.</a:t>
+            </a:r>
+          </a:p>
+          <a:p>
+            <a:pPr lvl="1"/>
+            <a:r>
+              <a:rPr lang="en-US" sz="2000" dirty="0"/>
+              <a:t>Freedom 1: The freedom to </a:t>
+            </a:r>
+            <a:r>
+              <a:rPr lang="en-US" sz="2000" i="1" dirty="0"/>
+              <a:t>study</a:t>
+            </a:r>
+            <a:r>
+              <a:rPr lang="en-US" sz="2000" dirty="0"/>
+              <a:t> how the program works, and change it to make it do what you wish.</a:t>
+            </a:r>
+          </a:p>
+          <a:p>
+            <a:pPr lvl="1"/>
+            <a:r>
+              <a:rPr lang="en-US" sz="2000" dirty="0"/>
+              <a:t>Freedom 2: The freedom to </a:t>
+            </a:r>
+            <a:r>
+              <a:rPr lang="en-US" sz="2000" i="1" dirty="0"/>
+              <a:t>redistribute</a:t>
+            </a:r>
+            <a:r>
+              <a:rPr lang="en-US" sz="2000" dirty="0"/>
+              <a:t> and make copies so you can help your neighbor.</a:t>
+            </a:r>
+          </a:p>
+          <a:p>
+            <a:pPr lvl="1"/>
+            <a:r>
+              <a:rPr lang="en-US" sz="2000" dirty="0"/>
+              <a:t>Freedom 3: The freedom to </a:t>
+            </a:r>
+            <a:r>
+              <a:rPr lang="en-US" sz="2000" i="1" dirty="0"/>
+              <a:t>improve</a:t>
+            </a:r>
+            <a:r>
+              <a:rPr lang="en-US" sz="2000" dirty="0"/>
+              <a:t> the program, and release your improvements (and modified versions in general) to the public, so that the whole community benefits</a:t>
+            </a:r>
+            <a:r>
+              <a:rPr lang="en-US" sz="2000" dirty="0" smtClean="0"/>
+              <a:t>.</a:t>
+            </a:r>
+            <a:endParaRPr lang="en-US" sz="2000" dirty="0"/>
+          </a:p>
+        </p:txBody>
+      </p:sp>
+    </p:spTree>
+    <p:extLst>
+      <p:ext uri="{BB962C8B-B14F-4D97-AF65-F5344CB8AC3E}">
+        <p14:creationId xmlns:p14="http://schemas.microsoft.com/office/powerpoint/2010/main" val="2169194080"/>
+      </p:ext>
+    </p:extLst>
+  </p:cSld>
+  <p:clrMapOvr>
+    <a:masterClrMapping/>
+  </p:clrMapOvr>
+  <p:timing>
+    <p:tnLst>
+      <p:par>
+        <p:cTn id="1" dur="indefinite" restart="never" nodeType="tmRoot"/>
+      </p:par>
+    </p:tnLst>
+  </p:timing>
+</p:sld>
+</file>
+
+<file path=ppt/slides/slide4.xml><?xml version="1.0" encoding="utf-8"?>
 <p:sld xmlns:a="http://schemas.openxmlformats.org/drawingml/2006/main" xmlns:r="http://schemas.openxmlformats.org/officeDocument/2006/relationships" xmlns:p="http://schemas.openxmlformats.org/presentationml/2006/main">
   <p:cSld>
     <p:spTree>
@@ -4040,178 +4239,13 @@
   <p:clrMapOvr>
     <a:masterClrMapping/>
   </p:clrMapOvr>
-</p:sld>
-</file>
-
-<file path=ppt/slides/slide4.xml><?xml version="1.0" encoding="utf-8"?>
-<p:sld xmlns:a="http://schemas.openxmlformats.org/drawingml/2006/main" xmlns:r="http://schemas.openxmlformats.org/officeDocument/2006/relationships" xmlns:p="http://schemas.openxmlformats.org/presentationml/2006/main">
-  <p:cSld>
-    <p:spTree>
-      <p:nvGrpSpPr>
-        <p:cNvPr id="1" name=""/>
-        <p:cNvGrpSpPr/>
-        <p:nvPr/>
-      </p:nvGrpSpPr>
-      <p:grpSpPr>
-        <a:xfrm>
-          <a:off x="0" y="0"/>
-          <a:ext cx="0" cy="0"/>
-          <a:chOff x="0" y="0"/>
-          <a:chExt cx="0" cy="0"/>
-        </a:xfrm>
-      </p:grpSpPr>
-      <p:sp>
-        <p:nvSpPr>
-          <p:cNvPr id="2" name="Title 1"/>
-          <p:cNvSpPr>
-            <a:spLocks noGrp="1"/>
-          </p:cNvSpPr>
-          <p:nvPr>
-            <p:ph type="title"/>
-          </p:nvPr>
-        </p:nvSpPr>
-        <p:spPr/>
-        <p:txBody>
-          <a:bodyPr/>
-          <a:lstStyle/>
-          <a:p>
-            <a:r>
-              <a:rPr lang="en-US" dirty="0" smtClean="0"/>
-              <a:t>What is Free Software?</a:t>
-            </a:r>
-            <a:endParaRPr lang="en-US" dirty="0"/>
-          </a:p>
-        </p:txBody>
-      </p:sp>
-      <p:sp>
-        <p:nvSpPr>
-          <p:cNvPr id="3" name="Content Placeholder 2"/>
-          <p:cNvSpPr>
-            <a:spLocks noGrp="1"/>
-          </p:cNvSpPr>
-          <p:nvPr>
-            <p:ph idx="1"/>
-          </p:nvPr>
-        </p:nvSpPr>
-        <p:spPr/>
-        <p:txBody>
-          <a:bodyPr>
-            <a:normAutofit/>
-          </a:bodyPr>
-          <a:lstStyle/>
-          <a:p>
-            <a:pPr>
-              <a:buFont typeface="Wingdings" panose="05000000000000000000" pitchFamily="2" charset="2"/>
-              <a:buChar char="§"/>
-            </a:pPr>
-            <a:r>
-              <a:rPr lang="en-US" sz="2800" dirty="0" smtClean="0"/>
-              <a:t> </a:t>
-            </a:r>
-            <a:r>
-              <a:rPr lang="en-US" sz="2800" dirty="0"/>
-              <a:t>C</a:t>
-            </a:r>
-            <a:r>
-              <a:rPr lang="en-US" sz="2800" dirty="0" smtClean="0"/>
-              <a:t>omputer </a:t>
-            </a:r>
-            <a:r>
-              <a:rPr lang="en-US" sz="2800" dirty="0"/>
-              <a:t>software distributed under terms that allow users to run the software for any purpose as well as to study, change, and distribute it and any adapted </a:t>
-            </a:r>
-            <a:r>
-              <a:rPr lang="en-US" sz="2800" dirty="0" smtClean="0"/>
-              <a:t>versions</a:t>
-            </a:r>
-          </a:p>
-          <a:p>
-            <a:pPr>
-              <a:buFont typeface="Wingdings" panose="05000000000000000000" pitchFamily="2" charset="2"/>
-              <a:buChar char="§"/>
-            </a:pPr>
-            <a:r>
-              <a:rPr lang="en-US" sz="2800" dirty="0" smtClean="0"/>
-              <a:t> Four Freedoms:</a:t>
-            </a:r>
-          </a:p>
-          <a:p>
-            <a:pPr lvl="1"/>
-            <a:r>
-              <a:rPr lang="en-US" sz="2000" dirty="0"/>
-              <a:t>Freedom 0: The freedom to </a:t>
-            </a:r>
-            <a:r>
-              <a:rPr lang="en-US" sz="2000" i="1" dirty="0"/>
-              <a:t>run</a:t>
-            </a:r>
-            <a:r>
-              <a:rPr lang="en-US" sz="2000" dirty="0"/>
-              <a:t> the program for any purpose.</a:t>
-            </a:r>
-          </a:p>
-          <a:p>
-            <a:pPr lvl="1"/>
-            <a:r>
-              <a:rPr lang="en-US" sz="2000" dirty="0"/>
-              <a:t>Freedom 1: The freedom to </a:t>
-            </a:r>
-            <a:r>
-              <a:rPr lang="en-US" sz="2000" i="1" dirty="0"/>
-              <a:t>study</a:t>
-            </a:r>
-            <a:r>
-              <a:rPr lang="en-US" sz="2000" dirty="0"/>
-              <a:t> how the program works, and change it to make it do what you wish.</a:t>
-            </a:r>
-          </a:p>
-          <a:p>
-            <a:pPr lvl="1"/>
-            <a:r>
-              <a:rPr lang="en-US" sz="2000" dirty="0"/>
-              <a:t>Freedom 2: The freedom to </a:t>
-            </a:r>
-            <a:r>
-              <a:rPr lang="en-US" sz="2000" i="1" dirty="0"/>
-              <a:t>redistribute</a:t>
-            </a:r>
-            <a:r>
-              <a:rPr lang="en-US" sz="2000" dirty="0"/>
-              <a:t> and make copies so you can help your neighbor.</a:t>
-            </a:r>
-          </a:p>
-          <a:p>
-            <a:pPr lvl="1"/>
-            <a:r>
-              <a:rPr lang="en-US" sz="2000" dirty="0"/>
-              <a:t>Freedom 3: The freedom to </a:t>
-            </a:r>
-            <a:r>
-              <a:rPr lang="en-US" sz="2000" i="1" dirty="0"/>
-              <a:t>improve</a:t>
-            </a:r>
-            <a:r>
-              <a:rPr lang="en-US" sz="2000" dirty="0"/>
-              <a:t> the program, and release your improvements (and modified versions in general) to the public, so that the whole community benefits</a:t>
-            </a:r>
-            <a:r>
-              <a:rPr lang="en-US" sz="2000" dirty="0" smtClean="0"/>
-              <a:t>.</a:t>
-            </a:r>
-            <a:endParaRPr lang="en-US" sz="2000" dirty="0"/>
-          </a:p>
-        </p:txBody>
-      </p:sp>
-    </p:spTree>
-    <p:extLst>
-      <p:ext uri="{BB962C8B-B14F-4D97-AF65-F5344CB8AC3E}">
-        <p14:creationId xmlns:p14="http://schemas.microsoft.com/office/powerpoint/2010/main" val="2169194080"/>
-      </p:ext>
-    </p:extLst>
-  </p:cSld>
-  <p:clrMapOvr>
-    <a:masterClrMapping/>
-  </p:clrMapOvr>
+  <p:timing>
+    <p:tnLst>
+      <p:par>
+        <p:cTn id="1" dur="indefinite" restart="never" nodeType="tmRoot"/>
+      </p:par>
+    </p:tnLst>
+  </p:timing>
 </p:sld>
 </file>
 
@@ -4308,6 +4342,13 @@
   <p:clrMapOvr>
     <a:masterClrMapping/>
   </p:clrMapOvr>
+  <p:timing>
+    <p:tnLst>
+      <p:par>
+        <p:cTn id="1" dur="indefinite" restart="never" nodeType="tmRoot"/>
+      </p:par>
+    </p:tnLst>
+  </p:timing>
 </p:sld>
 </file>
 
@@ -4442,6 +4483,133 @@
   <p:clrMapOvr>
     <a:masterClrMapping/>
   </p:clrMapOvr>
+  <p:timing>
+    <p:tnLst>
+      <p:par>
+        <p:cTn id="1" dur="indefinite" restart="never" nodeType="tmRoot"/>
+      </p:par>
+    </p:tnLst>
+  </p:timing>
+</p:sld>
+</file>
+
+<file path=ppt/slides/slide7.xml><?xml version="1.0" encoding="utf-8"?>
+<p:sld xmlns:a="http://schemas.openxmlformats.org/drawingml/2006/main" xmlns:r="http://schemas.openxmlformats.org/officeDocument/2006/relationships" xmlns:p="http://schemas.openxmlformats.org/presentationml/2006/main">
+  <p:cSld>
+    <p:spTree>
+      <p:nvGrpSpPr>
+        <p:cNvPr id="1" name=""/>
+        <p:cNvGrpSpPr/>
+        <p:nvPr/>
+      </p:nvGrpSpPr>
+      <p:grpSpPr>
+        <a:xfrm>
+          <a:off x="0" y="0"/>
+          <a:ext cx="0" cy="0"/>
+          <a:chOff x="0" y="0"/>
+          <a:chExt cx="0" cy="0"/>
+        </a:xfrm>
+      </p:grpSpPr>
+      <p:sp>
+        <p:nvSpPr>
+          <p:cNvPr id="2" name="Title 1"/>
+          <p:cNvSpPr>
+            <a:spLocks noGrp="1"/>
+          </p:cNvSpPr>
+          <p:nvPr>
+            <p:ph type="title"/>
+          </p:nvPr>
+        </p:nvSpPr>
+        <p:spPr/>
+        <p:txBody>
+          <a:bodyPr/>
+          <a:lstStyle/>
+          <a:p>
+            <a:r>
+              <a:rPr lang="en-US" dirty="0" smtClean="0"/>
+              <a:t>Questions?</a:t>
+            </a:r>
+            <a:endParaRPr lang="en-US" dirty="0"/>
+          </a:p>
+        </p:txBody>
+      </p:sp>
+      <p:sp>
+        <p:nvSpPr>
+          <p:cNvPr id="3" name="Content Placeholder 2"/>
+          <p:cNvSpPr>
+            <a:spLocks noGrp="1"/>
+          </p:cNvSpPr>
+          <p:nvPr>
+            <p:ph idx="1"/>
+          </p:nvPr>
+        </p:nvSpPr>
+        <p:spPr/>
+        <p:txBody>
+          <a:bodyPr/>
+          <a:lstStyle/>
+          <a:p>
+            <a:endParaRPr lang="en-US"/>
+          </a:p>
+        </p:txBody>
+      </p:sp>
+      <p:pic>
+        <p:nvPicPr>
+          <p:cNvPr id="4" name="Picture 2" descr="Image result for open source communism"/>
+          <p:cNvPicPr>
+            <a:picLocks noChangeAspect="1" noChangeArrowheads="1"/>
+          </p:cNvPicPr>
+          <p:nvPr/>
+        </p:nvPicPr>
+        <p:blipFill>
+          <a:blip r:embed="rId2">
+            <a:extLst>
+              <a:ext uri="{28A0092B-C50C-407E-A947-70E740481C1C}">
+                <a14:useLocalDpi xmlns:a14="http://schemas.microsoft.com/office/drawing/2010/main" val="0"/>
+              </a:ext>
+            </a:extLst>
+          </a:blip>
+          <a:srcRect/>
+          <a:stretch>
+            <a:fillRect/>
+          </a:stretch>
+        </p:blipFill>
+        <p:spPr bwMode="auto">
+          <a:xfrm>
+            <a:off x="2497180" y="1845734"/>
+            <a:ext cx="7152639" cy="4023360"/>
+          </a:xfrm>
+          <a:prstGeom prst="rect">
+            <a:avLst/>
+          </a:prstGeom>
+          <a:noFill/>
+          <a:extLst>
+            <a:ext uri="{909E8E84-426E-40DD-AFC4-6F175D3DCCD1}">
+              <a14:hiddenFill xmlns:a14="http://schemas.microsoft.com/office/drawing/2010/main">
+                <a:solidFill>
+                  <a:srgbClr val="FFFFFF"/>
+                </a:solidFill>
+              </a14:hiddenFill>
+            </a:ext>
+          </a:extLst>
+        </p:spPr>
+      </p:pic>
+    </p:spTree>
+    <p:extLst>
+      <p:ext uri="{BB962C8B-B14F-4D97-AF65-F5344CB8AC3E}">
+        <p14:creationId xmlns:p14="http://schemas.microsoft.com/office/powerpoint/2010/main" val="3036280036"/>
+      </p:ext>
+    </p:extLst>
+  </p:cSld>
+  <p:clrMapOvr>
+    <a:masterClrMapping/>
+  </p:clrMapOvr>
+  <p:timing>
+    <p:tnLst>
+      <p:par>
+        <p:cTn id="1" dur="indefinite" restart="never" nodeType="tmRoot"/>
+      </p:par>
+    </p:tnLst>
+  </p:timing>
 </p:sld>
 </file>
 
